--- a/Präsentation/Präsentation_.pptx
+++ b/Präsentation/Präsentation_.pptx
@@ -146,6 +146,7 @@
     <p1510:client id="{09BE7925-40FA-64F0-43B8-517F1EA4862A}" v="14" dt="2021-07-03T22:40:03.283"/>
     <p1510:client id="{0DBAC324-1C32-464E-8E3D-66E23175F2D1}" v="573" dt="2021-07-03T20:37:55.750"/>
     <p1510:client id="{2F50EE72-8254-0E43-ABA3-2F30E696D349}" v="704" dt="2021-07-06T10:02:36.850"/>
+    <p1510:client id="{31DC2A85-16D4-EB09-F5BA-B1B1ED40F25B}" v="4" dt="2021-08-11T19:02:45.152"/>
     <p1510:client id="{539959BA-F723-3529-2992-6FECA3F74F7A}" v="15" dt="2021-07-20T15:03:06.361"/>
     <p1510:client id="{57891155-0770-9092-5BF9-24AF3313C362}" v="63" dt="2021-07-12T11:56:29.955"/>
     <p1510:client id="{61D10D58-D7B6-BB9B-87D0-AF5EFBEAE898}" v="499" dt="2021-07-12T20:06:16.874"/>
@@ -23276,19 +23277,9 @@
                   </a:schemeClr>
                 </a:solidFill>
               </a:rPr>
-              <a:t>Franck Ulrich </a:t>
+              <a:t>Franck Ulrich </a:t>
             </a:r>
-            <a:r>
-              <a:rPr lang="en-US" sz="1600" dirty="0" err="1">
-                <a:solidFill>
-                  <a:schemeClr val="tx1">
-                    <a:alpha val="60000"/>
-                  </a:schemeClr>
-                </a:solidFill>
-              </a:rPr>
-              <a:t>Djeutang</a:t>
-            </a:r>
-            <a:endParaRPr lang="en-US" sz="1600" dirty="0" err="1">
+            <a:endParaRPr lang="en-US" sz="1600">
               <a:solidFill>
                 <a:schemeClr val="tx1">
                   <a:alpha val="60000"/>
@@ -23574,8 +23565,26 @@
                                   </p:childTnLst>
                                 </p:cTn>
                               </p:par>
+                            </p:childTnLst>
+                          </p:cTn>
+                        </p:par>
+                      </p:childTnLst>
+                    </p:cTn>
+                  </p:par>
+                  <p:par>
+                    <p:cTn id="8" fill="hold">
+                      <p:stCondLst>
+                        <p:cond delay="indefinite"/>
+                      </p:stCondLst>
+                      <p:childTnLst>
+                        <p:par>
+                          <p:cTn id="9" fill="hold">
+                            <p:stCondLst>
+                              <p:cond delay="0"/>
+                            </p:stCondLst>
+                            <p:childTnLst>
                               <p:par>
-                                <p:cTn id="8" presetID="10" presetClass="entr" presetSubtype="0" fill="hold" grpId="0" nodeType="withEffect">
+                                <p:cTn id="10" presetID="10" presetClass="entr" presetSubtype="0" fill="hold" grpId="0" nodeType="clickEffect">
                                   <p:stCondLst>
                                     <p:cond delay="2000"/>
                                   </p:stCondLst>
@@ -23585,7 +23594,7 @@
                                   <p:childTnLst>
                                     <p:set>
                                       <p:cBhvr>
-                                        <p:cTn id="9" dur="1" fill="hold">
+                                        <p:cTn id="11" dur="1" fill="hold">
                                           <p:stCondLst>
                                             <p:cond delay="0"/>
                                           </p:stCondLst>
@@ -23607,7 +23616,7 @@
                                     </p:set>
                                     <p:animEffect transition="in" filter="fade">
                                       <p:cBhvr>
-                                        <p:cTn id="10" dur="400"/>
+                                        <p:cTn id="12" dur="400"/>
                                         <p:tgtEl>
                                           <p:spTgt spid="16">
                                             <p:txEl>
@@ -23621,7 +23630,7 @@
                                 </p:cTn>
                               </p:par>
                               <p:par>
-                                <p:cTn id="11" presetID="10" presetClass="entr" presetSubtype="0" fill="hold" grpId="0" nodeType="withEffect">
+                                <p:cTn id="13" presetID="10" presetClass="entr" presetSubtype="0" fill="hold" grpId="0" nodeType="withEffect">
                                   <p:stCondLst>
                                     <p:cond delay="2000"/>
                                   </p:stCondLst>
@@ -23631,7 +23640,7 @@
                                   <p:childTnLst>
                                     <p:set>
                                       <p:cBhvr>
-                                        <p:cTn id="12" dur="1" fill="hold">
+                                        <p:cTn id="14" dur="1" fill="hold">
                                           <p:stCondLst>
                                             <p:cond delay="0"/>
                                           </p:stCondLst>
@@ -23653,7 +23662,7 @@
                                     </p:set>
                                     <p:animEffect transition="in" filter="fade">
                                       <p:cBhvr>
-                                        <p:cTn id="13" dur="400"/>
+                                        <p:cTn id="15" dur="400"/>
                                         <p:tgtEl>
                                           <p:spTgt spid="16">
                                             <p:txEl>
@@ -23667,7 +23676,7 @@
                                 </p:cTn>
                               </p:par>
                               <p:par>
-                                <p:cTn id="14" presetID="10" presetClass="entr" presetSubtype="0" fill="hold" grpId="0" nodeType="withEffect">
+                                <p:cTn id="16" presetID="10" presetClass="entr" presetSubtype="0" fill="hold" grpId="0" nodeType="withEffect">
                                   <p:stCondLst>
                                     <p:cond delay="2000"/>
                                   </p:stCondLst>
@@ -23677,7 +23686,7 @@
                                   <p:childTnLst>
                                     <p:set>
                                       <p:cBhvr>
-                                        <p:cTn id="15" dur="1" fill="hold">
+                                        <p:cTn id="17" dur="1" fill="hold">
                                           <p:stCondLst>
                                             <p:cond delay="0"/>
                                           </p:stCondLst>
@@ -23699,7 +23708,7 @@
                                     </p:set>
                                     <p:animEffect transition="in" filter="fade">
                                       <p:cBhvr>
-                                        <p:cTn id="16" dur="400"/>
+                                        <p:cTn id="18" dur="400"/>
                                         <p:tgtEl>
                                           <p:spTgt spid="16">
                                             <p:txEl>
@@ -23713,7 +23722,7 @@
                                 </p:cTn>
                               </p:par>
                               <p:par>
-                                <p:cTn id="17" presetID="10" presetClass="entr" presetSubtype="0" fill="hold" grpId="0" nodeType="withEffect">
+                                <p:cTn id="19" presetID="10" presetClass="entr" presetSubtype="0" fill="hold" grpId="0" nodeType="withEffect">
                                   <p:stCondLst>
                                     <p:cond delay="1000"/>
                                   </p:stCondLst>
@@ -23723,7 +23732,7 @@
                                   <p:childTnLst>
                                     <p:set>
                                       <p:cBhvr>
-                                        <p:cTn id="18" dur="1" fill="hold">
+                                        <p:cTn id="20" dur="1" fill="hold">
                                           <p:stCondLst>
                                             <p:cond delay="0"/>
                                           </p:stCondLst>
@@ -23741,7 +23750,7 @@
                                     </p:set>
                                     <p:animEffect transition="in" filter="fade">
                                       <p:cBhvr>
-                                        <p:cTn id="19" dur="400"/>
+                                        <p:cTn id="21" dur="400"/>
                                         <p:tgtEl>
                                           <p:spTgt spid="2"/>
                                         </p:tgtEl>
